--- a/ppt/4-ml.pptx
+++ b/ppt/4-ml.pptx
@@ -249,7 +249,7 @@
           <a:p>
             <a:fld id="{99088BE3-65C5-2A47-8E5D-0959F8034D1C}" type="datetimeFigureOut">
               <a:rPr kumimoji="1" lang="zh-CN" altLang="en-US" smtClean="0"/>
-              <a:t>2020/12/6</a:t>
+              <a:t>2023-09-12</a:t>
             </a:fld>
             <a:endParaRPr kumimoji="1" lang="zh-CN" altLang="en-US"/>
           </a:p>
@@ -395,7 +395,7 @@
           <a:p>
             <a:fld id="{99088BE3-65C5-2A47-8E5D-0959F8034D1C}" type="datetimeFigureOut">
               <a:rPr kumimoji="1" lang="zh-CN" altLang="en-US" smtClean="0"/>
-              <a:t>2020/12/6</a:t>
+              <a:t>2023-09-12</a:t>
             </a:fld>
             <a:endParaRPr kumimoji="1" lang="zh-CN" altLang="en-US"/>
           </a:p>
@@ -551,7 +551,7 @@
           <a:p>
             <a:fld id="{99088BE3-65C5-2A47-8E5D-0959F8034D1C}" type="datetimeFigureOut">
               <a:rPr kumimoji="1" lang="zh-CN" altLang="en-US" smtClean="0"/>
-              <a:t>2020/12/6</a:t>
+              <a:t>2023-09-12</a:t>
             </a:fld>
             <a:endParaRPr kumimoji="1" lang="zh-CN" altLang="en-US"/>
           </a:p>
@@ -697,7 +697,7 @@
           <a:p>
             <a:fld id="{99088BE3-65C5-2A47-8E5D-0959F8034D1C}" type="datetimeFigureOut">
               <a:rPr kumimoji="1" lang="zh-CN" altLang="en-US" smtClean="0"/>
-              <a:t>2020/12/6</a:t>
+              <a:t>2023-09-12</a:t>
             </a:fld>
             <a:endParaRPr kumimoji="1" lang="zh-CN" altLang="en-US"/>
           </a:p>
@@ -946,7 +946,7 @@
           <a:p>
             <a:fld id="{99088BE3-65C5-2A47-8E5D-0959F8034D1C}" type="datetimeFigureOut">
               <a:rPr kumimoji="1" lang="zh-CN" altLang="en-US" smtClean="0"/>
-              <a:t>2020/12/6</a:t>
+              <a:t>2023-09-12</a:t>
             </a:fld>
             <a:endParaRPr kumimoji="1" lang="zh-CN" altLang="en-US"/>
           </a:p>
@@ -1130,7 +1130,7 @@
           <a:p>
             <a:fld id="{99088BE3-65C5-2A47-8E5D-0959F8034D1C}" type="datetimeFigureOut">
               <a:rPr kumimoji="1" lang="zh-CN" altLang="en-US" smtClean="0"/>
-              <a:t>2020/12/6</a:t>
+              <a:t>2023-09-12</a:t>
             </a:fld>
             <a:endParaRPr kumimoji="1" lang="zh-CN" altLang="en-US"/>
           </a:p>
@@ -1459,7 +1459,7 @@
           <a:p>
             <a:fld id="{99088BE3-65C5-2A47-8E5D-0959F8034D1C}" type="datetimeFigureOut">
               <a:rPr kumimoji="1" lang="zh-CN" altLang="en-US" smtClean="0"/>
-              <a:t>2020/12/6</a:t>
+              <a:t>2023-09-12</a:t>
             </a:fld>
             <a:endParaRPr kumimoji="1" lang="zh-CN" altLang="en-US"/>
           </a:p>
@@ -1577,7 +1577,7 @@
           <a:p>
             <a:fld id="{99088BE3-65C5-2A47-8E5D-0959F8034D1C}" type="datetimeFigureOut">
               <a:rPr kumimoji="1" lang="zh-CN" altLang="en-US" smtClean="0"/>
-              <a:t>2020/12/6</a:t>
+              <a:t>2023-09-12</a:t>
             </a:fld>
             <a:endParaRPr kumimoji="1" lang="zh-CN" altLang="en-US"/>
           </a:p>
@@ -1672,7 +1672,7 @@
           <a:p>
             <a:fld id="{99088BE3-65C5-2A47-8E5D-0959F8034D1C}" type="datetimeFigureOut">
               <a:rPr kumimoji="1" lang="zh-CN" altLang="en-US" smtClean="0"/>
-              <a:t>2020/12/6</a:t>
+              <a:t>2023-09-12</a:t>
             </a:fld>
             <a:endParaRPr kumimoji="1" lang="zh-CN" altLang="en-US"/>
           </a:p>
@@ -1930,7 +1930,7 @@
           <a:p>
             <a:fld id="{99088BE3-65C5-2A47-8E5D-0959F8034D1C}" type="datetimeFigureOut">
               <a:rPr kumimoji="1" lang="zh-CN" altLang="en-US" smtClean="0"/>
-              <a:t>2020/12/6</a:t>
+              <a:t>2023-09-12</a:t>
             </a:fld>
             <a:endParaRPr kumimoji="1" lang="zh-CN" altLang="en-US"/>
           </a:p>
@@ -2192,7 +2192,7 @@
           <a:p>
             <a:fld id="{99088BE3-65C5-2A47-8E5D-0959F8034D1C}" type="datetimeFigureOut">
               <a:rPr kumimoji="1" lang="zh-CN" altLang="en-US" smtClean="0"/>
-              <a:t>2020/12/6</a:t>
+              <a:t>2023-09-12</a:t>
             </a:fld>
             <a:endParaRPr kumimoji="1" lang="zh-CN" altLang="en-US"/>
           </a:p>
@@ -2381,7 +2381,7 @@
           <a:p>
             <a:fld id="{99088BE3-65C5-2A47-8E5D-0959F8034D1C}" type="datetimeFigureOut">
               <a:rPr kumimoji="1" lang="zh-CN" altLang="en-US" smtClean="0"/>
-              <a:t>2020/12/6</a:t>
+              <a:t>2023-09-12</a:t>
             </a:fld>
             <a:endParaRPr kumimoji="1" lang="zh-CN" altLang="en-US"/>
           </a:p>
@@ -3192,8 +3192,8 @@
         </p:blipFill>
         <p:spPr>
           <a:xfrm>
-            <a:off x="26443" y="1590320"/>
-            <a:ext cx="8942597" cy="4859942"/>
+            <a:off x="480133" y="1509241"/>
+            <a:ext cx="8488907" cy="4613380"/>
           </a:xfrm>
           <a:prstGeom prst="rect">
             <a:avLst/>
@@ -3338,6 +3338,41 @@
             <a:r>
               <a:rPr lang="zh-CN" altLang="en-US" sz="2400" dirty="0"/>
               <a:t>狗的种类</a:t>
+            </a:r>
+          </a:p>
+        </p:txBody>
+      </p:sp>
+      <p:sp>
+        <p:nvSpPr>
+          <p:cNvPr id="10" name="文本框 9">
+            <a:extLst>
+              <a:ext uri="{FF2B5EF4-FFF2-40B4-BE49-F238E27FC236}">
+                <a16:creationId xmlns:a16="http://schemas.microsoft.com/office/drawing/2014/main" id="{D9BE2602-A187-462C-856C-CD521FB834DD}"/>
+              </a:ext>
+            </a:extLst>
+          </p:cNvPr>
+          <p:cNvSpPr txBox="1"/>
+          <p:nvPr/>
+        </p:nvSpPr>
+        <p:spPr>
+          <a:xfrm>
+            <a:off x="4636008" y="6169708"/>
+            <a:ext cx="4572000" cy="646331"/>
+          </a:xfrm>
+          <a:prstGeom prst="rect">
+            <a:avLst/>
+          </a:prstGeom>
+          <a:noFill/>
+        </p:spPr>
+        <p:txBody>
+          <a:bodyPr wrap="square">
+            <a:spAutoFit/>
+          </a:bodyPr>
+          <a:lstStyle/>
+          <a:p>
+            <a:r>
+              <a:rPr lang="zh-CN" altLang="en-US" dirty="0"/>
+              <a:t>https://informationisbeautiful.net/visualizations/best-in-show-whats-the-top-data-dog/</a:t>
             </a:r>
           </a:p>
         </p:txBody>
